--- a/Avaliacao2PI/Apresentação - Projeto PPI.pptx
+++ b/Avaliacao2PI/Apresentação - Projeto PPI.pptx
@@ -11,7 +11,7 @@
     <p:sldId id="259" r:id="rId5"/>
     <p:sldId id="260" r:id="rId6"/>
     <p:sldId id="261" r:id="rId7"/>
-    <p:sldId id="262" r:id="rId8"/>
+    <p:sldId id="264" r:id="rId8"/>
     <p:sldId id="263" r:id="rId9"/>
   </p:sldIdLst>
   <p:sldSz cx="9144000" cy="6858000" type="screen4x3"/>
@@ -295,7 +295,8 @@
           <a:p>
             <a:fld id="{3A39E453-8D21-4315-BC08-5986709E9A59}" type="datetimeFigureOut">
               <a:rPr lang="pt-BR" smtClean="0"/>
-              <a:t>08/01/2018</a:t>
+              <a:pPr/>
+              <a:t>10/01/2018</a:t>
             </a:fld>
             <a:endParaRPr lang="pt-BR"/>
           </a:p>
@@ -337,6 +338,7 @@
           <a:p>
             <a:fld id="{329E5D1B-4DDA-441F-AC01-1147CF660544}" type="slidenum">
               <a:rPr lang="pt-BR" smtClean="0"/>
+              <a:pPr/>
               <a:t>‹nº›</a:t>
             </a:fld>
             <a:endParaRPr lang="pt-BR"/>
@@ -460,7 +462,8 @@
           <a:p>
             <a:fld id="{3A39E453-8D21-4315-BC08-5986709E9A59}" type="datetimeFigureOut">
               <a:rPr lang="pt-BR" smtClean="0"/>
-              <a:t>08/01/2018</a:t>
+              <a:pPr/>
+              <a:t>10/01/2018</a:t>
             </a:fld>
             <a:endParaRPr lang="pt-BR"/>
           </a:p>
@@ -502,6 +505,7 @@
           <a:p>
             <a:fld id="{329E5D1B-4DDA-441F-AC01-1147CF660544}" type="slidenum">
               <a:rPr lang="pt-BR" smtClean="0"/>
+              <a:pPr/>
               <a:t>‹nº›</a:t>
             </a:fld>
             <a:endParaRPr lang="pt-BR"/>
@@ -635,7 +639,8 @@
           <a:p>
             <a:fld id="{3A39E453-8D21-4315-BC08-5986709E9A59}" type="datetimeFigureOut">
               <a:rPr lang="pt-BR" smtClean="0"/>
-              <a:t>08/01/2018</a:t>
+              <a:pPr/>
+              <a:t>10/01/2018</a:t>
             </a:fld>
             <a:endParaRPr lang="pt-BR"/>
           </a:p>
@@ -677,6 +682,7 @@
           <a:p>
             <a:fld id="{329E5D1B-4DDA-441F-AC01-1147CF660544}" type="slidenum">
               <a:rPr lang="pt-BR" smtClean="0"/>
+              <a:pPr/>
               <a:t>‹nº›</a:t>
             </a:fld>
             <a:endParaRPr lang="pt-BR"/>
@@ -800,7 +806,8 @@
           <a:p>
             <a:fld id="{3A39E453-8D21-4315-BC08-5986709E9A59}" type="datetimeFigureOut">
               <a:rPr lang="pt-BR" smtClean="0"/>
-              <a:t>08/01/2018</a:t>
+              <a:pPr/>
+              <a:t>10/01/2018</a:t>
             </a:fld>
             <a:endParaRPr lang="pt-BR"/>
           </a:p>
@@ -842,6 +849,7 @@
           <a:p>
             <a:fld id="{329E5D1B-4DDA-441F-AC01-1147CF660544}" type="slidenum">
               <a:rPr lang="pt-BR" smtClean="0"/>
+              <a:pPr/>
               <a:t>‹nº›</a:t>
             </a:fld>
             <a:endParaRPr lang="pt-BR"/>
@@ -1041,7 +1049,8 @@
           <a:p>
             <a:fld id="{3A39E453-8D21-4315-BC08-5986709E9A59}" type="datetimeFigureOut">
               <a:rPr lang="pt-BR" smtClean="0"/>
-              <a:t>08/01/2018</a:t>
+              <a:pPr/>
+              <a:t>10/01/2018</a:t>
             </a:fld>
             <a:endParaRPr lang="pt-BR"/>
           </a:p>
@@ -1083,6 +1092,7 @@
           <a:p>
             <a:fld id="{329E5D1B-4DDA-441F-AC01-1147CF660544}" type="slidenum">
               <a:rPr lang="pt-BR" smtClean="0"/>
+              <a:pPr/>
               <a:t>‹nº›</a:t>
             </a:fld>
             <a:endParaRPr lang="pt-BR"/>
@@ -1324,7 +1334,8 @@
           <a:p>
             <a:fld id="{3A39E453-8D21-4315-BC08-5986709E9A59}" type="datetimeFigureOut">
               <a:rPr lang="pt-BR" smtClean="0"/>
-              <a:t>08/01/2018</a:t>
+              <a:pPr/>
+              <a:t>10/01/2018</a:t>
             </a:fld>
             <a:endParaRPr lang="pt-BR"/>
           </a:p>
@@ -1366,6 +1377,7 @@
           <a:p>
             <a:fld id="{329E5D1B-4DDA-441F-AC01-1147CF660544}" type="slidenum">
               <a:rPr lang="pt-BR" smtClean="0"/>
+              <a:pPr/>
               <a:t>‹nº›</a:t>
             </a:fld>
             <a:endParaRPr lang="pt-BR"/>
@@ -1741,7 +1753,8 @@
           <a:p>
             <a:fld id="{3A39E453-8D21-4315-BC08-5986709E9A59}" type="datetimeFigureOut">
               <a:rPr lang="pt-BR" smtClean="0"/>
-              <a:t>08/01/2018</a:t>
+              <a:pPr/>
+              <a:t>10/01/2018</a:t>
             </a:fld>
             <a:endParaRPr lang="pt-BR"/>
           </a:p>
@@ -1783,6 +1796,7 @@
           <a:p>
             <a:fld id="{329E5D1B-4DDA-441F-AC01-1147CF660544}" type="slidenum">
               <a:rPr lang="pt-BR" smtClean="0"/>
+              <a:pPr/>
               <a:t>‹nº›</a:t>
             </a:fld>
             <a:endParaRPr lang="pt-BR"/>
@@ -1854,7 +1868,8 @@
           <a:p>
             <a:fld id="{3A39E453-8D21-4315-BC08-5986709E9A59}" type="datetimeFigureOut">
               <a:rPr lang="pt-BR" smtClean="0"/>
-              <a:t>08/01/2018</a:t>
+              <a:pPr/>
+              <a:t>10/01/2018</a:t>
             </a:fld>
             <a:endParaRPr lang="pt-BR"/>
           </a:p>
@@ -1896,6 +1911,7 @@
           <a:p>
             <a:fld id="{329E5D1B-4DDA-441F-AC01-1147CF660544}" type="slidenum">
               <a:rPr lang="pt-BR" smtClean="0"/>
+              <a:pPr/>
               <a:t>‹nº›</a:t>
             </a:fld>
             <a:endParaRPr lang="pt-BR"/>
@@ -1944,7 +1960,8 @@
           <a:p>
             <a:fld id="{3A39E453-8D21-4315-BC08-5986709E9A59}" type="datetimeFigureOut">
               <a:rPr lang="pt-BR" smtClean="0"/>
-              <a:t>08/01/2018</a:t>
+              <a:pPr/>
+              <a:t>10/01/2018</a:t>
             </a:fld>
             <a:endParaRPr lang="pt-BR"/>
           </a:p>
@@ -1986,6 +2003,7 @@
           <a:p>
             <a:fld id="{329E5D1B-4DDA-441F-AC01-1147CF660544}" type="slidenum">
               <a:rPr lang="pt-BR" smtClean="0"/>
+              <a:pPr/>
               <a:t>‹nº›</a:t>
             </a:fld>
             <a:endParaRPr lang="pt-BR"/>
@@ -2216,7 +2234,8 @@
           <a:p>
             <a:fld id="{3A39E453-8D21-4315-BC08-5986709E9A59}" type="datetimeFigureOut">
               <a:rPr lang="pt-BR" smtClean="0"/>
-              <a:t>08/01/2018</a:t>
+              <a:pPr/>
+              <a:t>10/01/2018</a:t>
             </a:fld>
             <a:endParaRPr lang="pt-BR"/>
           </a:p>
@@ -2258,6 +2277,7 @@
           <a:p>
             <a:fld id="{329E5D1B-4DDA-441F-AC01-1147CF660544}" type="slidenum">
               <a:rPr lang="pt-BR" smtClean="0"/>
+              <a:pPr/>
               <a:t>‹nº›</a:t>
             </a:fld>
             <a:endParaRPr lang="pt-BR"/>
@@ -2464,7 +2484,8 @@
           <a:p>
             <a:fld id="{3A39E453-8D21-4315-BC08-5986709E9A59}" type="datetimeFigureOut">
               <a:rPr lang="pt-BR" smtClean="0"/>
-              <a:t>08/01/2018</a:t>
+              <a:pPr/>
+              <a:t>10/01/2018</a:t>
             </a:fld>
             <a:endParaRPr lang="pt-BR"/>
           </a:p>
@@ -2506,6 +2527,7 @@
           <a:p>
             <a:fld id="{329E5D1B-4DDA-441F-AC01-1147CF660544}" type="slidenum">
               <a:rPr lang="pt-BR" smtClean="0"/>
+              <a:pPr/>
               <a:t>‹nº›</a:t>
             </a:fld>
             <a:endParaRPr lang="pt-BR"/>
@@ -2672,7 +2694,8 @@
           <a:p>
             <a:fld id="{3A39E453-8D21-4315-BC08-5986709E9A59}" type="datetimeFigureOut">
               <a:rPr lang="pt-BR" smtClean="0"/>
-              <a:t>08/01/2018</a:t>
+              <a:pPr/>
+              <a:t>10/01/2018</a:t>
             </a:fld>
             <a:endParaRPr lang="pt-BR"/>
           </a:p>
@@ -2750,6 +2773,7 @@
           <a:p>
             <a:fld id="{329E5D1B-4DDA-441F-AC01-1147CF660544}" type="slidenum">
               <a:rPr lang="pt-BR" smtClean="0"/>
+              <a:pPr/>
               <a:t>‹nº›</a:t>
             </a:fld>
             <a:endParaRPr lang="pt-BR"/>
@@ -3656,7 +3680,7 @@
         <p:spPr>
           <a:xfrm>
             <a:off x="683568" y="1916832"/>
-            <a:ext cx="7776864" cy="4031873"/>
+            <a:ext cx="7776864" cy="2554545"/>
           </a:xfrm>
           <a:prstGeom prst="rect">
             <a:avLst/>
@@ -3673,37 +3697,36 @@
               <a:buFont typeface="Arial" charset="0"/>
               <a:buChar char="•"/>
             </a:pPr>
+            <a:endParaRPr lang="pt-BR" sz="3200" dirty="0" smtClean="0"/>
+          </a:p>
+          <a:p>
+            <a:pPr>
+              <a:buFont typeface="Arial" charset="0"/>
+              <a:buChar char="•"/>
+            </a:pPr>
             <a:r>
               <a:rPr lang="pt-BR" sz="3200" dirty="0" smtClean="0"/>
-              <a:t> A técnica </a:t>
+              <a:t> </a:t>
+            </a:r>
+            <a:r>
+              <a:rPr lang="pt-BR" sz="3200" dirty="0" smtClean="0"/>
+              <a:t>Propriedade </a:t>
+            </a:r>
+            <a:r>
+              <a:rPr lang="pt-BR" sz="3200" i="1" dirty="0" err="1" smtClean="0"/>
+              <a:t>viewport</a:t>
+            </a:r>
+            <a:r>
+              <a:rPr lang="pt-BR" sz="3200" dirty="0" smtClean="0"/>
+              <a:t> na </a:t>
+            </a:r>
+            <a:r>
+              <a:rPr lang="pt-BR" sz="3200" i="1" dirty="0" err="1" smtClean="0"/>
+              <a:t>tag</a:t>
             </a:r>
             <a:r>
               <a:rPr lang="pt-BR" sz="3200" i="1" dirty="0" smtClean="0"/>
-              <a:t>@media screen</a:t>
-            </a:r>
-            <a:r>
-              <a:rPr lang="pt-BR" sz="3200" dirty="0" smtClean="0"/>
-              <a:t> foi usada para atender a </a:t>
-            </a:r>
-            <a:r>
-              <a:rPr lang="pt-BR" sz="3200" dirty="0" err="1" smtClean="0"/>
-              <a:t>resposividade</a:t>
-            </a:r>
-            <a:r>
-              <a:rPr lang="pt-BR" sz="3200" dirty="0" smtClean="0"/>
-              <a:t> da página, as </a:t>
-            </a:r>
-            <a:r>
-              <a:rPr lang="pt-BR" sz="3200" i="1" dirty="0" err="1" smtClean="0"/>
-              <a:t>tags</a:t>
-            </a:r>
-            <a:r>
-              <a:rPr lang="pt-BR" sz="3200" i="1" dirty="0" smtClean="0"/>
-              <a:t> </a:t>
-            </a:r>
-            <a:r>
-              <a:rPr lang="pt-BR" sz="3200" dirty="0" smtClean="0"/>
-              <a:t>que tiveram alterações segundo as dimensões de tela foram:</a:t>
+              <a:t> meta:</a:t>
             </a:r>
           </a:p>
           <a:p>
@@ -3712,50 +3735,16 @@
               <a:buChar char="•"/>
             </a:pPr>
             <a:r>
-              <a:rPr lang="pt-BR" sz="3200" i="1" dirty="0"/>
+              <a:rPr lang="pt-BR" sz="3200" i="1" dirty="0" smtClean="0"/>
               <a:t> </a:t>
             </a:r>
             <a:r>
-              <a:rPr lang="pt-BR" sz="3200" i="1" dirty="0" smtClean="0"/>
-              <a:t>NAV - UL LI, INPUT;</a:t>
-            </a:r>
-          </a:p>
-          <a:p>
-            <a:pPr lvl="1">
-              <a:buFont typeface="Arial" charset="0"/>
-              <a:buChar char="•"/>
-            </a:pPr>
-            <a:r>
-              <a:rPr lang="pt-BR" sz="3200" i="1" dirty="0"/>
-              <a:t> </a:t>
-            </a:r>
-            <a:r>
-              <a:rPr lang="pt-BR" sz="3200" i="1" dirty="0" smtClean="0"/>
-              <a:t>HEADER – H1, BACKGROUND, HEIGHT;</a:t>
-            </a:r>
-          </a:p>
-          <a:p>
-            <a:pPr lvl="1">
-              <a:buFont typeface="Arial" charset="0"/>
-              <a:buChar char="•"/>
-            </a:pPr>
-            <a:r>
-              <a:rPr lang="pt-BR" sz="3200" i="1" dirty="0"/>
-              <a:t> </a:t>
-            </a:r>
-            <a:r>
-              <a:rPr lang="pt-BR" sz="3200" i="1" dirty="0" smtClean="0"/>
-              <a:t>ASIDE - WIDTH;</a:t>
-            </a:r>
-          </a:p>
-          <a:p>
-            <a:pPr lvl="1">
-              <a:buFont typeface="Arial" charset="0"/>
-              <a:buChar char="•"/>
-            </a:pPr>
-            <a:r>
-              <a:rPr lang="pt-BR" sz="3200" i="1" dirty="0" smtClean="0"/>
-              <a:t>MAIN – DIVS, IMGS, WIDTH.</a:t>
+              <a:rPr lang="pt-BR" sz="3200" dirty="0" smtClean="0"/>
+              <a:t>Essa permite que os navegadores possam controlar o layout da página em </a:t>
+            </a:r>
+            <a:r>
+              <a:rPr lang="pt-BR" sz="3200" smtClean="0"/>
+              <a:t>diferentes escalas.</a:t>
             </a:r>
             <a:endParaRPr lang="pt-BR" sz="3200" i="1" dirty="0"/>
           </a:p>
@@ -3818,7 +3807,7 @@
         <p:spPr>
           <a:xfrm>
             <a:off x="683568" y="1916832"/>
-            <a:ext cx="7776864" cy="3539430"/>
+            <a:ext cx="7776864" cy="4031873"/>
           </a:xfrm>
           <a:prstGeom prst="rect">
             <a:avLst/>
@@ -3837,15 +3826,23 @@
             </a:pPr>
             <a:r>
               <a:rPr lang="pt-BR" sz="3200" dirty="0" smtClean="0"/>
-              <a:t> A especificação de medidas em porcentagem ao invés de pixels contribui de forma significativa para a </a:t>
+              <a:t> A técnica </a:t>
+            </a:r>
+            <a:r>
+              <a:rPr lang="pt-BR" sz="3200" i="1" dirty="0" smtClean="0"/>
+              <a:t>@media screen</a:t>
+            </a:r>
+            <a:r>
+              <a:rPr lang="pt-BR" sz="3200" dirty="0" smtClean="0"/>
+              <a:t> foi usada para atender a </a:t>
             </a:r>
             <a:r>
               <a:rPr lang="pt-BR" sz="3200" dirty="0" err="1" smtClean="0"/>
-              <a:t>responsividade</a:t>
+              <a:t>resposividade</a:t>
             </a:r>
             <a:r>
               <a:rPr lang="pt-BR" sz="3200" dirty="0" smtClean="0"/>
-              <a:t> da página, algumas das </a:t>
+              <a:t> da página, as </a:t>
             </a:r>
             <a:r>
               <a:rPr lang="pt-BR" sz="3200" i="1" dirty="0" err="1" smtClean="0"/>
@@ -3857,7 +3854,7 @@
             </a:r>
             <a:r>
               <a:rPr lang="pt-BR" sz="3200" dirty="0" smtClean="0"/>
-              <a:t>foram:</a:t>
+              <a:t>que tiveram alterações segundo as dimensões de tela foram:</a:t>
             </a:r>
           </a:p>
           <a:p>
@@ -3871,7 +3868,7 @@
             </a:r>
             <a:r>
               <a:rPr lang="pt-BR" sz="3200" i="1" dirty="0" smtClean="0"/>
-              <a:t>MAIN – WIDTH;</a:t>
+              <a:t>NAV - UL LI, INPUT;</a:t>
             </a:r>
           </a:p>
           <a:p>
@@ -3885,7 +3882,7 @@
             </a:r>
             <a:r>
               <a:rPr lang="pt-BR" sz="3200" i="1" dirty="0" smtClean="0"/>
-              <a:t>IMGS – WIDTH E HEIGHT;</a:t>
+              <a:t>HEADER – H1, BACKGROUND, HEIGHT;</a:t>
             </a:r>
           </a:p>
           <a:p>
@@ -3899,7 +3896,17 @@
             </a:r>
             <a:r>
               <a:rPr lang="pt-BR" sz="3200" i="1" dirty="0" smtClean="0"/>
-              <a:t>DIVS – WIDTH;</a:t>
+              <a:t>ASIDE - WIDTH;</a:t>
+            </a:r>
+          </a:p>
+          <a:p>
+            <a:pPr lvl="1">
+              <a:buFont typeface="Arial" charset="0"/>
+              <a:buChar char="•"/>
+            </a:pPr>
+            <a:r>
+              <a:rPr lang="pt-BR" sz="3200" i="1" dirty="0" smtClean="0"/>
+              <a:t>MAIN – DIVS, IMGS, WIDTH.</a:t>
             </a:r>
             <a:endParaRPr lang="pt-BR" sz="3200" i="1" dirty="0"/>
           </a:p>
